--- a/ppt 16-9/0239.我心爱主.pptx
+++ b/ppt 16-9/0239.我心爱主.pptx
@@ -129,7 +129,7 @@
           <p:cNvPr id="2" name="标题 1">
             <a:extLst>
               <a:ext uri="{FF2B5EF4-FFF2-40B4-BE49-F238E27FC236}">
-                <a16:creationId xmlns:a16="http://schemas.microsoft.com/office/drawing/2014/main" id="{C573C5C8-79DA-F623-F843-077351D11255}"/>
+                <a16:creationId xmlns:a16="http://schemas.microsoft.com/office/drawing/2014/main" id="{8AEC1EB3-10FB-CE5E-BE07-184854FFD7B1}"/>
               </a:ext>
             </a:extLst>
           </p:cNvPr>
@@ -166,7 +166,7 @@
           <p:cNvPr id="3" name="副标题 2">
             <a:extLst>
               <a:ext uri="{FF2B5EF4-FFF2-40B4-BE49-F238E27FC236}">
-                <a16:creationId xmlns:a16="http://schemas.microsoft.com/office/drawing/2014/main" id="{87402DA3-FF9F-00C3-5C90-F900B277A637}"/>
+                <a16:creationId xmlns:a16="http://schemas.microsoft.com/office/drawing/2014/main" id="{9F3B6D7C-E8C0-AE6E-2BF0-1F410B06FEDE}"/>
               </a:ext>
             </a:extLst>
           </p:cNvPr>
@@ -236,7 +236,7 @@
           <p:cNvPr id="4" name="日期占位符 3">
             <a:extLst>
               <a:ext uri="{FF2B5EF4-FFF2-40B4-BE49-F238E27FC236}">
-                <a16:creationId xmlns:a16="http://schemas.microsoft.com/office/drawing/2014/main" id="{0CE5EC83-9DBF-4E31-3FC1-1F8F95794D3B}"/>
+                <a16:creationId xmlns:a16="http://schemas.microsoft.com/office/drawing/2014/main" id="{09314114-5C21-ED7B-44CF-2634CF90EEED}"/>
               </a:ext>
             </a:extLst>
           </p:cNvPr>
@@ -252,7 +252,7 @@
           <a:bodyPr/>
           <a:lstStyle/>
           <a:p>
-            <a:fld id="{BBB258BB-A520-48BE-B0D8-B4D6EE918A8C}" type="datetimeFigureOut">
+            <a:fld id="{5F1A1260-B7BA-4B8A-927C-1AAF6D185141}" type="datetimeFigureOut">
               <a:rPr lang="zh-CN" altLang="en-US" smtClean="0"/>
               <a:t>2024/3/10</a:t>
             </a:fld>
@@ -265,7 +265,7 @@
           <p:cNvPr id="5" name="页脚占位符 4">
             <a:extLst>
               <a:ext uri="{FF2B5EF4-FFF2-40B4-BE49-F238E27FC236}">
-                <a16:creationId xmlns:a16="http://schemas.microsoft.com/office/drawing/2014/main" id="{AE0967F4-A0F1-D9E7-A39E-CFC18BA29856}"/>
+                <a16:creationId xmlns:a16="http://schemas.microsoft.com/office/drawing/2014/main" id="{FBC9A7A5-0970-DFD9-1A51-69C9C09A29A2}"/>
               </a:ext>
             </a:extLst>
           </p:cNvPr>
@@ -290,7 +290,7 @@
           <p:cNvPr id="6" name="灯片编号占位符 5">
             <a:extLst>
               <a:ext uri="{FF2B5EF4-FFF2-40B4-BE49-F238E27FC236}">
-                <a16:creationId xmlns:a16="http://schemas.microsoft.com/office/drawing/2014/main" id="{340265F9-6268-83B1-E5EC-8A2D1CEAF060}"/>
+                <a16:creationId xmlns:a16="http://schemas.microsoft.com/office/drawing/2014/main" id="{EC4D4559-EF44-4FE7-DE94-B169D6FEF39F}"/>
               </a:ext>
             </a:extLst>
           </p:cNvPr>
@@ -306,7 +306,7 @@
           <a:bodyPr/>
           <a:lstStyle/>
           <a:p>
-            <a:fld id="{3011B0BC-C1E3-432C-846C-E4274C0E001F}" type="slidenum">
+            <a:fld id="{3E584464-C0F1-4074-B2F1-9943409FD09C}" type="slidenum">
               <a:rPr lang="zh-CN" altLang="en-US" smtClean="0"/>
               <a:t>‹#›</a:t>
             </a:fld>
@@ -317,7 +317,7 @@
     </p:spTree>
     <p:extLst>
       <p:ext uri="{BB962C8B-B14F-4D97-AF65-F5344CB8AC3E}">
-        <p14:creationId xmlns:p14="http://schemas.microsoft.com/office/powerpoint/2010/main" val="1428731216"/>
+        <p14:creationId xmlns:p14="http://schemas.microsoft.com/office/powerpoint/2010/main" val="833279808"/>
       </p:ext>
     </p:extLst>
   </p:cSld>
@@ -349,7 +349,7 @@
           <p:cNvPr id="2" name="标题 1">
             <a:extLst>
               <a:ext uri="{FF2B5EF4-FFF2-40B4-BE49-F238E27FC236}">
-                <a16:creationId xmlns:a16="http://schemas.microsoft.com/office/drawing/2014/main" id="{F0D4F02C-6B00-A52B-9DDB-E3CF3AA8731D}"/>
+                <a16:creationId xmlns:a16="http://schemas.microsoft.com/office/drawing/2014/main" id="{3020BB27-486F-9C58-1A90-49A19E1D2A3E}"/>
               </a:ext>
             </a:extLst>
           </p:cNvPr>
@@ -377,7 +377,7 @@
           <p:cNvPr id="3" name="竖排文字占位符 2">
             <a:extLst>
               <a:ext uri="{FF2B5EF4-FFF2-40B4-BE49-F238E27FC236}">
-                <a16:creationId xmlns:a16="http://schemas.microsoft.com/office/drawing/2014/main" id="{7FBDA2EE-31F7-2222-5B25-0B5B5359F32F}"/>
+                <a16:creationId xmlns:a16="http://schemas.microsoft.com/office/drawing/2014/main" id="{CADFA792-56D0-D8AD-9DED-EAC39ED4CC94}"/>
               </a:ext>
             </a:extLst>
           </p:cNvPr>
@@ -434,7 +434,7 @@
           <p:cNvPr id="4" name="日期占位符 3">
             <a:extLst>
               <a:ext uri="{FF2B5EF4-FFF2-40B4-BE49-F238E27FC236}">
-                <a16:creationId xmlns:a16="http://schemas.microsoft.com/office/drawing/2014/main" id="{3DC7C78A-8DE9-C5A7-EC20-760FB9DE7F45}"/>
+                <a16:creationId xmlns:a16="http://schemas.microsoft.com/office/drawing/2014/main" id="{A79ED35E-2BEB-D844-5D4A-F6DEB3D4D3FE}"/>
               </a:ext>
             </a:extLst>
           </p:cNvPr>
@@ -450,7 +450,7 @@
           <a:bodyPr/>
           <a:lstStyle/>
           <a:p>
-            <a:fld id="{BBB258BB-A520-48BE-B0D8-B4D6EE918A8C}" type="datetimeFigureOut">
+            <a:fld id="{5F1A1260-B7BA-4B8A-927C-1AAF6D185141}" type="datetimeFigureOut">
               <a:rPr lang="zh-CN" altLang="en-US" smtClean="0"/>
               <a:t>2024/3/10</a:t>
             </a:fld>
@@ -463,7 +463,7 @@
           <p:cNvPr id="5" name="页脚占位符 4">
             <a:extLst>
               <a:ext uri="{FF2B5EF4-FFF2-40B4-BE49-F238E27FC236}">
-                <a16:creationId xmlns:a16="http://schemas.microsoft.com/office/drawing/2014/main" id="{AD851F06-9A87-10A1-2B31-2C50D2BA8F2D}"/>
+                <a16:creationId xmlns:a16="http://schemas.microsoft.com/office/drawing/2014/main" id="{48F0CA2E-43AA-58F7-2853-E61834AF2DE0}"/>
               </a:ext>
             </a:extLst>
           </p:cNvPr>
@@ -488,7 +488,7 @@
           <p:cNvPr id="6" name="灯片编号占位符 5">
             <a:extLst>
               <a:ext uri="{FF2B5EF4-FFF2-40B4-BE49-F238E27FC236}">
-                <a16:creationId xmlns:a16="http://schemas.microsoft.com/office/drawing/2014/main" id="{8BFF1B63-9DD8-8251-1E52-AE317DCB6C21}"/>
+                <a16:creationId xmlns:a16="http://schemas.microsoft.com/office/drawing/2014/main" id="{B9945814-761D-939C-22EB-386AFEE0E20E}"/>
               </a:ext>
             </a:extLst>
           </p:cNvPr>
@@ -504,7 +504,7 @@
           <a:bodyPr/>
           <a:lstStyle/>
           <a:p>
-            <a:fld id="{3011B0BC-C1E3-432C-846C-E4274C0E001F}" type="slidenum">
+            <a:fld id="{3E584464-C0F1-4074-B2F1-9943409FD09C}" type="slidenum">
               <a:rPr lang="zh-CN" altLang="en-US" smtClean="0"/>
               <a:t>‹#›</a:t>
             </a:fld>
@@ -515,7 +515,7 @@
     </p:spTree>
     <p:extLst>
       <p:ext uri="{BB962C8B-B14F-4D97-AF65-F5344CB8AC3E}">
-        <p14:creationId xmlns:p14="http://schemas.microsoft.com/office/powerpoint/2010/main" val="2885664940"/>
+        <p14:creationId xmlns:p14="http://schemas.microsoft.com/office/powerpoint/2010/main" val="542131865"/>
       </p:ext>
     </p:extLst>
   </p:cSld>
@@ -547,7 +547,7 @@
           <p:cNvPr id="2" name="竖排标题 1">
             <a:extLst>
               <a:ext uri="{FF2B5EF4-FFF2-40B4-BE49-F238E27FC236}">
-                <a16:creationId xmlns:a16="http://schemas.microsoft.com/office/drawing/2014/main" id="{79D0525A-9C24-868D-4290-078F40042B6B}"/>
+                <a16:creationId xmlns:a16="http://schemas.microsoft.com/office/drawing/2014/main" id="{79F2BDE5-F31F-B3DC-CF64-681EA1A84A28}"/>
               </a:ext>
             </a:extLst>
           </p:cNvPr>
@@ -580,7 +580,7 @@
           <p:cNvPr id="3" name="竖排文字占位符 2">
             <a:extLst>
               <a:ext uri="{FF2B5EF4-FFF2-40B4-BE49-F238E27FC236}">
-                <a16:creationId xmlns:a16="http://schemas.microsoft.com/office/drawing/2014/main" id="{7931BBCB-EC38-1E00-CC06-645887324B2B}"/>
+                <a16:creationId xmlns:a16="http://schemas.microsoft.com/office/drawing/2014/main" id="{8B85B757-C25B-0B80-B3A4-49D86BDB9AC7}"/>
               </a:ext>
             </a:extLst>
           </p:cNvPr>
@@ -642,7 +642,7 @@
           <p:cNvPr id="4" name="日期占位符 3">
             <a:extLst>
               <a:ext uri="{FF2B5EF4-FFF2-40B4-BE49-F238E27FC236}">
-                <a16:creationId xmlns:a16="http://schemas.microsoft.com/office/drawing/2014/main" id="{96F607C5-5229-5AE1-42AA-B941F502711D}"/>
+                <a16:creationId xmlns:a16="http://schemas.microsoft.com/office/drawing/2014/main" id="{DA175ED7-7BC5-56F6-69CD-4C7F01B35AC5}"/>
               </a:ext>
             </a:extLst>
           </p:cNvPr>
@@ -658,7 +658,7 @@
           <a:bodyPr/>
           <a:lstStyle/>
           <a:p>
-            <a:fld id="{BBB258BB-A520-48BE-B0D8-B4D6EE918A8C}" type="datetimeFigureOut">
+            <a:fld id="{5F1A1260-B7BA-4B8A-927C-1AAF6D185141}" type="datetimeFigureOut">
               <a:rPr lang="zh-CN" altLang="en-US" smtClean="0"/>
               <a:t>2024/3/10</a:t>
             </a:fld>
@@ -671,7 +671,7 @@
           <p:cNvPr id="5" name="页脚占位符 4">
             <a:extLst>
               <a:ext uri="{FF2B5EF4-FFF2-40B4-BE49-F238E27FC236}">
-                <a16:creationId xmlns:a16="http://schemas.microsoft.com/office/drawing/2014/main" id="{75E2CA68-AF11-68BF-D14E-2EA4228A6E44}"/>
+                <a16:creationId xmlns:a16="http://schemas.microsoft.com/office/drawing/2014/main" id="{A1C73E6C-B548-40EA-1A3E-86D52D155D6E}"/>
               </a:ext>
             </a:extLst>
           </p:cNvPr>
@@ -696,7 +696,7 @@
           <p:cNvPr id="6" name="灯片编号占位符 5">
             <a:extLst>
               <a:ext uri="{FF2B5EF4-FFF2-40B4-BE49-F238E27FC236}">
-                <a16:creationId xmlns:a16="http://schemas.microsoft.com/office/drawing/2014/main" id="{6C362E0A-FF39-A18F-E994-589CCAA22342}"/>
+                <a16:creationId xmlns:a16="http://schemas.microsoft.com/office/drawing/2014/main" id="{696AD70B-5054-26B5-CF39-18708623E988}"/>
               </a:ext>
             </a:extLst>
           </p:cNvPr>
@@ -712,7 +712,7 @@
           <a:bodyPr/>
           <a:lstStyle/>
           <a:p>
-            <a:fld id="{3011B0BC-C1E3-432C-846C-E4274C0E001F}" type="slidenum">
+            <a:fld id="{3E584464-C0F1-4074-B2F1-9943409FD09C}" type="slidenum">
               <a:rPr lang="zh-CN" altLang="en-US" smtClean="0"/>
               <a:t>‹#›</a:t>
             </a:fld>
@@ -723,7 +723,7 @@
     </p:spTree>
     <p:extLst>
       <p:ext uri="{BB962C8B-B14F-4D97-AF65-F5344CB8AC3E}">
-        <p14:creationId xmlns:p14="http://schemas.microsoft.com/office/powerpoint/2010/main" val="845402451"/>
+        <p14:creationId xmlns:p14="http://schemas.microsoft.com/office/powerpoint/2010/main" val="3349009298"/>
       </p:ext>
     </p:extLst>
   </p:cSld>
@@ -755,7 +755,7 @@
           <p:cNvPr id="2" name="标题 1">
             <a:extLst>
               <a:ext uri="{FF2B5EF4-FFF2-40B4-BE49-F238E27FC236}">
-                <a16:creationId xmlns:a16="http://schemas.microsoft.com/office/drawing/2014/main" id="{D78ACB53-913E-786D-4AA8-68506EA47DD5}"/>
+                <a16:creationId xmlns:a16="http://schemas.microsoft.com/office/drawing/2014/main" id="{53F1021F-0AE9-314B-F474-8BAF681E4D13}"/>
               </a:ext>
             </a:extLst>
           </p:cNvPr>
@@ -783,7 +783,7 @@
           <p:cNvPr id="3" name="内容占位符 2">
             <a:extLst>
               <a:ext uri="{FF2B5EF4-FFF2-40B4-BE49-F238E27FC236}">
-                <a16:creationId xmlns:a16="http://schemas.microsoft.com/office/drawing/2014/main" id="{C3874131-FBAD-1A8B-90C0-BCC2D295ACA6}"/>
+                <a16:creationId xmlns:a16="http://schemas.microsoft.com/office/drawing/2014/main" id="{9B76A2BB-6194-0C21-9068-E59A3BC127AC}"/>
               </a:ext>
             </a:extLst>
           </p:cNvPr>
@@ -840,7 +840,7 @@
           <p:cNvPr id="4" name="日期占位符 3">
             <a:extLst>
               <a:ext uri="{FF2B5EF4-FFF2-40B4-BE49-F238E27FC236}">
-                <a16:creationId xmlns:a16="http://schemas.microsoft.com/office/drawing/2014/main" id="{B87DE4F8-B7FB-C6FE-86AB-309723479AFA}"/>
+                <a16:creationId xmlns:a16="http://schemas.microsoft.com/office/drawing/2014/main" id="{49A445D5-BF3E-B026-D0ED-A3DD1B03C480}"/>
               </a:ext>
             </a:extLst>
           </p:cNvPr>
@@ -856,7 +856,7 @@
           <a:bodyPr/>
           <a:lstStyle/>
           <a:p>
-            <a:fld id="{BBB258BB-A520-48BE-B0D8-B4D6EE918A8C}" type="datetimeFigureOut">
+            <a:fld id="{5F1A1260-B7BA-4B8A-927C-1AAF6D185141}" type="datetimeFigureOut">
               <a:rPr lang="zh-CN" altLang="en-US" smtClean="0"/>
               <a:t>2024/3/10</a:t>
             </a:fld>
@@ -869,7 +869,7 @@
           <p:cNvPr id="5" name="页脚占位符 4">
             <a:extLst>
               <a:ext uri="{FF2B5EF4-FFF2-40B4-BE49-F238E27FC236}">
-                <a16:creationId xmlns:a16="http://schemas.microsoft.com/office/drawing/2014/main" id="{AFCBB860-E9EA-F028-F755-0EF237B9D522}"/>
+                <a16:creationId xmlns:a16="http://schemas.microsoft.com/office/drawing/2014/main" id="{CD16C7C8-EA83-DCFD-8D15-4FEA1FA723BF}"/>
               </a:ext>
             </a:extLst>
           </p:cNvPr>
@@ -894,7 +894,7 @@
           <p:cNvPr id="6" name="灯片编号占位符 5">
             <a:extLst>
               <a:ext uri="{FF2B5EF4-FFF2-40B4-BE49-F238E27FC236}">
-                <a16:creationId xmlns:a16="http://schemas.microsoft.com/office/drawing/2014/main" id="{260B9AD2-4F55-1FE3-A421-93650958BA5D}"/>
+                <a16:creationId xmlns:a16="http://schemas.microsoft.com/office/drawing/2014/main" id="{898E8348-F597-ABB3-3EF0-3AFCEDB6760F}"/>
               </a:ext>
             </a:extLst>
           </p:cNvPr>
@@ -910,7 +910,7 @@
           <a:bodyPr/>
           <a:lstStyle/>
           <a:p>
-            <a:fld id="{3011B0BC-C1E3-432C-846C-E4274C0E001F}" type="slidenum">
+            <a:fld id="{3E584464-C0F1-4074-B2F1-9943409FD09C}" type="slidenum">
               <a:rPr lang="zh-CN" altLang="en-US" smtClean="0"/>
               <a:t>‹#›</a:t>
             </a:fld>
@@ -921,7 +921,7 @@
     </p:spTree>
     <p:extLst>
       <p:ext uri="{BB962C8B-B14F-4D97-AF65-F5344CB8AC3E}">
-        <p14:creationId xmlns:p14="http://schemas.microsoft.com/office/powerpoint/2010/main" val="162796337"/>
+        <p14:creationId xmlns:p14="http://schemas.microsoft.com/office/powerpoint/2010/main" val="2292430210"/>
       </p:ext>
     </p:extLst>
   </p:cSld>
@@ -953,7 +953,7 @@
           <p:cNvPr id="2" name="标题 1">
             <a:extLst>
               <a:ext uri="{FF2B5EF4-FFF2-40B4-BE49-F238E27FC236}">
-                <a16:creationId xmlns:a16="http://schemas.microsoft.com/office/drawing/2014/main" id="{2CF1373B-BA25-C02F-26C2-12AFEF17F0B5}"/>
+                <a16:creationId xmlns:a16="http://schemas.microsoft.com/office/drawing/2014/main" id="{A33FC3E5-8108-B03E-9D00-9B89B57CDFF7}"/>
               </a:ext>
             </a:extLst>
           </p:cNvPr>
@@ -990,7 +990,7 @@
           <p:cNvPr id="3" name="文本占位符 2">
             <a:extLst>
               <a:ext uri="{FF2B5EF4-FFF2-40B4-BE49-F238E27FC236}">
-                <a16:creationId xmlns:a16="http://schemas.microsoft.com/office/drawing/2014/main" id="{FA99C5D4-0AEF-98AE-1123-72D1FE6F5D65}"/>
+                <a16:creationId xmlns:a16="http://schemas.microsoft.com/office/drawing/2014/main" id="{63FC5DDC-33D0-B6B8-025E-752068DDDAF5}"/>
               </a:ext>
             </a:extLst>
           </p:cNvPr>
@@ -1115,7 +1115,7 @@
           <p:cNvPr id="4" name="日期占位符 3">
             <a:extLst>
               <a:ext uri="{FF2B5EF4-FFF2-40B4-BE49-F238E27FC236}">
-                <a16:creationId xmlns:a16="http://schemas.microsoft.com/office/drawing/2014/main" id="{27249CF7-0DA9-875A-52EF-EBA5712762A7}"/>
+                <a16:creationId xmlns:a16="http://schemas.microsoft.com/office/drawing/2014/main" id="{E795E3A5-B524-989C-E053-490A7CB69AEB}"/>
               </a:ext>
             </a:extLst>
           </p:cNvPr>
@@ -1131,7 +1131,7 @@
           <a:bodyPr/>
           <a:lstStyle/>
           <a:p>
-            <a:fld id="{BBB258BB-A520-48BE-B0D8-B4D6EE918A8C}" type="datetimeFigureOut">
+            <a:fld id="{5F1A1260-B7BA-4B8A-927C-1AAF6D185141}" type="datetimeFigureOut">
               <a:rPr lang="zh-CN" altLang="en-US" smtClean="0"/>
               <a:t>2024/3/10</a:t>
             </a:fld>
@@ -1144,7 +1144,7 @@
           <p:cNvPr id="5" name="页脚占位符 4">
             <a:extLst>
               <a:ext uri="{FF2B5EF4-FFF2-40B4-BE49-F238E27FC236}">
-                <a16:creationId xmlns:a16="http://schemas.microsoft.com/office/drawing/2014/main" id="{65A5C1C4-4C37-9B24-A37B-CB1F2B8A1E13}"/>
+                <a16:creationId xmlns:a16="http://schemas.microsoft.com/office/drawing/2014/main" id="{E472206A-A01E-EF03-5C2C-1366B762C330}"/>
               </a:ext>
             </a:extLst>
           </p:cNvPr>
@@ -1169,7 +1169,7 @@
           <p:cNvPr id="6" name="灯片编号占位符 5">
             <a:extLst>
               <a:ext uri="{FF2B5EF4-FFF2-40B4-BE49-F238E27FC236}">
-                <a16:creationId xmlns:a16="http://schemas.microsoft.com/office/drawing/2014/main" id="{12D7B4E9-D0EA-0860-1258-7C2602B21D67}"/>
+                <a16:creationId xmlns:a16="http://schemas.microsoft.com/office/drawing/2014/main" id="{CE16B513-FFBD-807C-9EA4-9FCE93230421}"/>
               </a:ext>
             </a:extLst>
           </p:cNvPr>
@@ -1185,7 +1185,7 @@
           <a:bodyPr/>
           <a:lstStyle/>
           <a:p>
-            <a:fld id="{3011B0BC-C1E3-432C-846C-E4274C0E001F}" type="slidenum">
+            <a:fld id="{3E584464-C0F1-4074-B2F1-9943409FD09C}" type="slidenum">
               <a:rPr lang="zh-CN" altLang="en-US" smtClean="0"/>
               <a:t>‹#›</a:t>
             </a:fld>
@@ -1196,7 +1196,7 @@
     </p:spTree>
     <p:extLst>
       <p:ext uri="{BB962C8B-B14F-4D97-AF65-F5344CB8AC3E}">
-        <p14:creationId xmlns:p14="http://schemas.microsoft.com/office/powerpoint/2010/main" val="3574671542"/>
+        <p14:creationId xmlns:p14="http://schemas.microsoft.com/office/powerpoint/2010/main" val="1415652195"/>
       </p:ext>
     </p:extLst>
   </p:cSld>
@@ -1228,7 +1228,7 @@
           <p:cNvPr id="2" name="标题 1">
             <a:extLst>
               <a:ext uri="{FF2B5EF4-FFF2-40B4-BE49-F238E27FC236}">
-                <a16:creationId xmlns:a16="http://schemas.microsoft.com/office/drawing/2014/main" id="{C7880695-17A0-5C78-E332-4E514200CE34}"/>
+                <a16:creationId xmlns:a16="http://schemas.microsoft.com/office/drawing/2014/main" id="{A17CB6EA-AFB1-9368-74D7-44811E899DC3}"/>
               </a:ext>
             </a:extLst>
           </p:cNvPr>
@@ -1256,7 +1256,7 @@
           <p:cNvPr id="3" name="内容占位符 2">
             <a:extLst>
               <a:ext uri="{FF2B5EF4-FFF2-40B4-BE49-F238E27FC236}">
-                <a16:creationId xmlns:a16="http://schemas.microsoft.com/office/drawing/2014/main" id="{F960AFAB-7DA3-1950-1ECF-A3CB415E928C}"/>
+                <a16:creationId xmlns:a16="http://schemas.microsoft.com/office/drawing/2014/main" id="{11F1F735-B05F-10D2-2362-E42303C0EBBA}"/>
               </a:ext>
             </a:extLst>
           </p:cNvPr>
@@ -1318,7 +1318,7 @@
           <p:cNvPr id="4" name="内容占位符 3">
             <a:extLst>
               <a:ext uri="{FF2B5EF4-FFF2-40B4-BE49-F238E27FC236}">
-                <a16:creationId xmlns:a16="http://schemas.microsoft.com/office/drawing/2014/main" id="{4BA97816-132F-4A57-DD86-D6B320F24070}"/>
+                <a16:creationId xmlns:a16="http://schemas.microsoft.com/office/drawing/2014/main" id="{B6DB25C0-E0FB-35E9-B611-DBEB22E32E4E}"/>
               </a:ext>
             </a:extLst>
           </p:cNvPr>
@@ -1380,7 +1380,7 @@
           <p:cNvPr id="5" name="日期占位符 4">
             <a:extLst>
               <a:ext uri="{FF2B5EF4-FFF2-40B4-BE49-F238E27FC236}">
-                <a16:creationId xmlns:a16="http://schemas.microsoft.com/office/drawing/2014/main" id="{77DD9BF5-0BF5-9038-C7F6-FC5B466CACEB}"/>
+                <a16:creationId xmlns:a16="http://schemas.microsoft.com/office/drawing/2014/main" id="{3BE8899F-24F0-9D5D-278F-07529096C83B}"/>
               </a:ext>
             </a:extLst>
           </p:cNvPr>
@@ -1396,7 +1396,7 @@
           <a:bodyPr/>
           <a:lstStyle/>
           <a:p>
-            <a:fld id="{BBB258BB-A520-48BE-B0D8-B4D6EE918A8C}" type="datetimeFigureOut">
+            <a:fld id="{5F1A1260-B7BA-4B8A-927C-1AAF6D185141}" type="datetimeFigureOut">
               <a:rPr lang="zh-CN" altLang="en-US" smtClean="0"/>
               <a:t>2024/3/10</a:t>
             </a:fld>
@@ -1409,7 +1409,7 @@
           <p:cNvPr id="6" name="页脚占位符 5">
             <a:extLst>
               <a:ext uri="{FF2B5EF4-FFF2-40B4-BE49-F238E27FC236}">
-                <a16:creationId xmlns:a16="http://schemas.microsoft.com/office/drawing/2014/main" id="{067C180C-25C5-4995-E0F3-83080FEE857D}"/>
+                <a16:creationId xmlns:a16="http://schemas.microsoft.com/office/drawing/2014/main" id="{BF65AFAE-A2B5-0919-BAF8-F08557604E3A}"/>
               </a:ext>
             </a:extLst>
           </p:cNvPr>
@@ -1434,7 +1434,7 @@
           <p:cNvPr id="7" name="灯片编号占位符 6">
             <a:extLst>
               <a:ext uri="{FF2B5EF4-FFF2-40B4-BE49-F238E27FC236}">
-                <a16:creationId xmlns:a16="http://schemas.microsoft.com/office/drawing/2014/main" id="{BD7B470F-ECB7-8D63-181B-DAD5081C9386}"/>
+                <a16:creationId xmlns:a16="http://schemas.microsoft.com/office/drawing/2014/main" id="{854318A3-7531-8752-B8AB-B7005797F5A4}"/>
               </a:ext>
             </a:extLst>
           </p:cNvPr>
@@ -1450,7 +1450,7 @@
           <a:bodyPr/>
           <a:lstStyle/>
           <a:p>
-            <a:fld id="{3011B0BC-C1E3-432C-846C-E4274C0E001F}" type="slidenum">
+            <a:fld id="{3E584464-C0F1-4074-B2F1-9943409FD09C}" type="slidenum">
               <a:rPr lang="zh-CN" altLang="en-US" smtClean="0"/>
               <a:t>‹#›</a:t>
             </a:fld>
@@ -1461,7 +1461,7 @@
     </p:spTree>
     <p:extLst>
       <p:ext uri="{BB962C8B-B14F-4D97-AF65-F5344CB8AC3E}">
-        <p14:creationId xmlns:p14="http://schemas.microsoft.com/office/powerpoint/2010/main" val="3657293236"/>
+        <p14:creationId xmlns:p14="http://schemas.microsoft.com/office/powerpoint/2010/main" val="73035823"/>
       </p:ext>
     </p:extLst>
   </p:cSld>
@@ -1493,7 +1493,7 @@
           <p:cNvPr id="2" name="标题 1">
             <a:extLst>
               <a:ext uri="{FF2B5EF4-FFF2-40B4-BE49-F238E27FC236}">
-                <a16:creationId xmlns:a16="http://schemas.microsoft.com/office/drawing/2014/main" id="{5A4670F9-DD72-3297-76ED-E5784E78A95A}"/>
+                <a16:creationId xmlns:a16="http://schemas.microsoft.com/office/drawing/2014/main" id="{5D49737D-F3F7-5D4A-4C36-9FE3EB6EED5D}"/>
               </a:ext>
             </a:extLst>
           </p:cNvPr>
@@ -1526,7 +1526,7 @@
           <p:cNvPr id="3" name="文本占位符 2">
             <a:extLst>
               <a:ext uri="{FF2B5EF4-FFF2-40B4-BE49-F238E27FC236}">
-                <a16:creationId xmlns:a16="http://schemas.microsoft.com/office/drawing/2014/main" id="{34A39585-0D38-CAC9-443A-D125BEBBDFEB}"/>
+                <a16:creationId xmlns:a16="http://schemas.microsoft.com/office/drawing/2014/main" id="{6644FE7D-9B92-9FA2-64A6-FFAFF4E95D68}"/>
               </a:ext>
             </a:extLst>
           </p:cNvPr>
@@ -1597,7 +1597,7 @@
           <p:cNvPr id="4" name="内容占位符 3">
             <a:extLst>
               <a:ext uri="{FF2B5EF4-FFF2-40B4-BE49-F238E27FC236}">
-                <a16:creationId xmlns:a16="http://schemas.microsoft.com/office/drawing/2014/main" id="{AC05AD57-3685-C914-AA84-49188BC1F970}"/>
+                <a16:creationId xmlns:a16="http://schemas.microsoft.com/office/drawing/2014/main" id="{5CE35960-B8A7-6DFF-28B9-805EB12471BF}"/>
               </a:ext>
             </a:extLst>
           </p:cNvPr>
@@ -1659,7 +1659,7 @@
           <p:cNvPr id="5" name="文本占位符 4">
             <a:extLst>
               <a:ext uri="{FF2B5EF4-FFF2-40B4-BE49-F238E27FC236}">
-                <a16:creationId xmlns:a16="http://schemas.microsoft.com/office/drawing/2014/main" id="{AA7B9ABE-B4D7-AC8F-ECD1-5FE1CE2B26BF}"/>
+                <a16:creationId xmlns:a16="http://schemas.microsoft.com/office/drawing/2014/main" id="{B572537E-399C-CAB6-79A7-5E50B6928CBE}"/>
               </a:ext>
             </a:extLst>
           </p:cNvPr>
@@ -1730,7 +1730,7 @@
           <p:cNvPr id="6" name="内容占位符 5">
             <a:extLst>
               <a:ext uri="{FF2B5EF4-FFF2-40B4-BE49-F238E27FC236}">
-                <a16:creationId xmlns:a16="http://schemas.microsoft.com/office/drawing/2014/main" id="{5BF6E285-362C-2994-3BE7-19E413783C5F}"/>
+                <a16:creationId xmlns:a16="http://schemas.microsoft.com/office/drawing/2014/main" id="{91724E37-BEA0-58E2-3AB5-52CF6DD01AA7}"/>
               </a:ext>
             </a:extLst>
           </p:cNvPr>
@@ -1792,7 +1792,7 @@
           <p:cNvPr id="7" name="日期占位符 6">
             <a:extLst>
               <a:ext uri="{FF2B5EF4-FFF2-40B4-BE49-F238E27FC236}">
-                <a16:creationId xmlns:a16="http://schemas.microsoft.com/office/drawing/2014/main" id="{6DF5B133-BE2E-BFDC-99CE-CC3520F254DF}"/>
+                <a16:creationId xmlns:a16="http://schemas.microsoft.com/office/drawing/2014/main" id="{3693DEC4-A0AD-1EC3-1F53-1AA2E2CA865B}"/>
               </a:ext>
             </a:extLst>
           </p:cNvPr>
@@ -1808,7 +1808,7 @@
           <a:bodyPr/>
           <a:lstStyle/>
           <a:p>
-            <a:fld id="{BBB258BB-A520-48BE-B0D8-B4D6EE918A8C}" type="datetimeFigureOut">
+            <a:fld id="{5F1A1260-B7BA-4B8A-927C-1AAF6D185141}" type="datetimeFigureOut">
               <a:rPr lang="zh-CN" altLang="en-US" smtClean="0"/>
               <a:t>2024/3/10</a:t>
             </a:fld>
@@ -1821,7 +1821,7 @@
           <p:cNvPr id="8" name="页脚占位符 7">
             <a:extLst>
               <a:ext uri="{FF2B5EF4-FFF2-40B4-BE49-F238E27FC236}">
-                <a16:creationId xmlns:a16="http://schemas.microsoft.com/office/drawing/2014/main" id="{76CD52C2-D8BC-4B41-5787-C0CF2A47FB70}"/>
+                <a16:creationId xmlns:a16="http://schemas.microsoft.com/office/drawing/2014/main" id="{1B5845FE-F89B-CBFD-95A6-6E1CBBF35374}"/>
               </a:ext>
             </a:extLst>
           </p:cNvPr>
@@ -1846,7 +1846,7 @@
           <p:cNvPr id="9" name="灯片编号占位符 8">
             <a:extLst>
               <a:ext uri="{FF2B5EF4-FFF2-40B4-BE49-F238E27FC236}">
-                <a16:creationId xmlns:a16="http://schemas.microsoft.com/office/drawing/2014/main" id="{8FC32FBE-7C23-1723-0FCB-1714768DD299}"/>
+                <a16:creationId xmlns:a16="http://schemas.microsoft.com/office/drawing/2014/main" id="{58F274F9-294A-5946-BCBB-DF42D66301B6}"/>
               </a:ext>
             </a:extLst>
           </p:cNvPr>
@@ -1862,7 +1862,7 @@
           <a:bodyPr/>
           <a:lstStyle/>
           <a:p>
-            <a:fld id="{3011B0BC-C1E3-432C-846C-E4274C0E001F}" type="slidenum">
+            <a:fld id="{3E584464-C0F1-4074-B2F1-9943409FD09C}" type="slidenum">
               <a:rPr lang="zh-CN" altLang="en-US" smtClean="0"/>
               <a:t>‹#›</a:t>
             </a:fld>
@@ -1873,7 +1873,7 @@
     </p:spTree>
     <p:extLst>
       <p:ext uri="{BB962C8B-B14F-4D97-AF65-F5344CB8AC3E}">
-        <p14:creationId xmlns:p14="http://schemas.microsoft.com/office/powerpoint/2010/main" val="3206857648"/>
+        <p14:creationId xmlns:p14="http://schemas.microsoft.com/office/powerpoint/2010/main" val="3871109839"/>
       </p:ext>
     </p:extLst>
   </p:cSld>
@@ -1905,7 +1905,7 @@
           <p:cNvPr id="2" name="标题 1">
             <a:extLst>
               <a:ext uri="{FF2B5EF4-FFF2-40B4-BE49-F238E27FC236}">
-                <a16:creationId xmlns:a16="http://schemas.microsoft.com/office/drawing/2014/main" id="{26023C88-92FB-9032-F57C-9034E747BE91}"/>
+                <a16:creationId xmlns:a16="http://schemas.microsoft.com/office/drawing/2014/main" id="{7E3B7141-3C6D-E5D0-9511-50A22AFD7E4A}"/>
               </a:ext>
             </a:extLst>
           </p:cNvPr>
@@ -1933,7 +1933,7 @@
           <p:cNvPr id="3" name="日期占位符 2">
             <a:extLst>
               <a:ext uri="{FF2B5EF4-FFF2-40B4-BE49-F238E27FC236}">
-                <a16:creationId xmlns:a16="http://schemas.microsoft.com/office/drawing/2014/main" id="{BF870D30-209F-B687-8CB1-57BD4A94C9C6}"/>
+                <a16:creationId xmlns:a16="http://schemas.microsoft.com/office/drawing/2014/main" id="{FF49CEB4-CC78-5C3E-B702-32A7DE2F2E6C}"/>
               </a:ext>
             </a:extLst>
           </p:cNvPr>
@@ -1949,7 +1949,7 @@
           <a:bodyPr/>
           <a:lstStyle/>
           <a:p>
-            <a:fld id="{BBB258BB-A520-48BE-B0D8-B4D6EE918A8C}" type="datetimeFigureOut">
+            <a:fld id="{5F1A1260-B7BA-4B8A-927C-1AAF6D185141}" type="datetimeFigureOut">
               <a:rPr lang="zh-CN" altLang="en-US" smtClean="0"/>
               <a:t>2024/3/10</a:t>
             </a:fld>
@@ -1962,7 +1962,7 @@
           <p:cNvPr id="4" name="页脚占位符 3">
             <a:extLst>
               <a:ext uri="{FF2B5EF4-FFF2-40B4-BE49-F238E27FC236}">
-                <a16:creationId xmlns:a16="http://schemas.microsoft.com/office/drawing/2014/main" id="{E2A174EC-80C3-06DC-3AAB-8DA437DF00AF}"/>
+                <a16:creationId xmlns:a16="http://schemas.microsoft.com/office/drawing/2014/main" id="{559D657A-DFC3-A7C5-638A-38944B652520}"/>
               </a:ext>
             </a:extLst>
           </p:cNvPr>
@@ -1987,7 +1987,7 @@
           <p:cNvPr id="5" name="灯片编号占位符 4">
             <a:extLst>
               <a:ext uri="{FF2B5EF4-FFF2-40B4-BE49-F238E27FC236}">
-                <a16:creationId xmlns:a16="http://schemas.microsoft.com/office/drawing/2014/main" id="{C4085B4C-1023-7939-0692-5D1A93349160}"/>
+                <a16:creationId xmlns:a16="http://schemas.microsoft.com/office/drawing/2014/main" id="{C713D3B8-FCC2-C29E-EC26-F32A92D46031}"/>
               </a:ext>
             </a:extLst>
           </p:cNvPr>
@@ -2003,7 +2003,7 @@
           <a:bodyPr/>
           <a:lstStyle/>
           <a:p>
-            <a:fld id="{3011B0BC-C1E3-432C-846C-E4274C0E001F}" type="slidenum">
+            <a:fld id="{3E584464-C0F1-4074-B2F1-9943409FD09C}" type="slidenum">
               <a:rPr lang="zh-CN" altLang="en-US" smtClean="0"/>
               <a:t>‹#›</a:t>
             </a:fld>
@@ -2014,7 +2014,7 @@
     </p:spTree>
     <p:extLst>
       <p:ext uri="{BB962C8B-B14F-4D97-AF65-F5344CB8AC3E}">
-        <p14:creationId xmlns:p14="http://schemas.microsoft.com/office/powerpoint/2010/main" val="372803198"/>
+        <p14:creationId xmlns:p14="http://schemas.microsoft.com/office/powerpoint/2010/main" val="2450664495"/>
       </p:ext>
     </p:extLst>
   </p:cSld>
@@ -2046,7 +2046,7 @@
           <p:cNvPr id="2" name="日期占位符 1">
             <a:extLst>
               <a:ext uri="{FF2B5EF4-FFF2-40B4-BE49-F238E27FC236}">
-                <a16:creationId xmlns:a16="http://schemas.microsoft.com/office/drawing/2014/main" id="{F3126DED-6290-3EF3-8522-A58A1A37F5E2}"/>
+                <a16:creationId xmlns:a16="http://schemas.microsoft.com/office/drawing/2014/main" id="{9D9C1627-2BE5-9344-1B07-4C5DF6BF82CD}"/>
               </a:ext>
             </a:extLst>
           </p:cNvPr>
@@ -2062,7 +2062,7 @@
           <a:bodyPr/>
           <a:lstStyle/>
           <a:p>
-            <a:fld id="{BBB258BB-A520-48BE-B0D8-B4D6EE918A8C}" type="datetimeFigureOut">
+            <a:fld id="{5F1A1260-B7BA-4B8A-927C-1AAF6D185141}" type="datetimeFigureOut">
               <a:rPr lang="zh-CN" altLang="en-US" smtClean="0"/>
               <a:t>2024/3/10</a:t>
             </a:fld>
@@ -2075,7 +2075,7 @@
           <p:cNvPr id="3" name="页脚占位符 2">
             <a:extLst>
               <a:ext uri="{FF2B5EF4-FFF2-40B4-BE49-F238E27FC236}">
-                <a16:creationId xmlns:a16="http://schemas.microsoft.com/office/drawing/2014/main" id="{9E2C3344-68F3-87F1-22D8-E6BB37A9947E}"/>
+                <a16:creationId xmlns:a16="http://schemas.microsoft.com/office/drawing/2014/main" id="{BD31ED7B-412C-0CDD-40FD-3C8C2A866958}"/>
               </a:ext>
             </a:extLst>
           </p:cNvPr>
@@ -2100,7 +2100,7 @@
           <p:cNvPr id="4" name="灯片编号占位符 3">
             <a:extLst>
               <a:ext uri="{FF2B5EF4-FFF2-40B4-BE49-F238E27FC236}">
-                <a16:creationId xmlns:a16="http://schemas.microsoft.com/office/drawing/2014/main" id="{25BB6727-7155-91FB-2053-3056E10D3641}"/>
+                <a16:creationId xmlns:a16="http://schemas.microsoft.com/office/drawing/2014/main" id="{01BAB061-B113-8069-82AA-B7B9A8407EA6}"/>
               </a:ext>
             </a:extLst>
           </p:cNvPr>
@@ -2116,7 +2116,7 @@
           <a:bodyPr/>
           <a:lstStyle/>
           <a:p>
-            <a:fld id="{3011B0BC-C1E3-432C-846C-E4274C0E001F}" type="slidenum">
+            <a:fld id="{3E584464-C0F1-4074-B2F1-9943409FD09C}" type="slidenum">
               <a:rPr lang="zh-CN" altLang="en-US" smtClean="0"/>
               <a:t>‹#›</a:t>
             </a:fld>
@@ -2127,7 +2127,7 @@
     </p:spTree>
     <p:extLst>
       <p:ext uri="{BB962C8B-B14F-4D97-AF65-F5344CB8AC3E}">
-        <p14:creationId xmlns:p14="http://schemas.microsoft.com/office/powerpoint/2010/main" val="2965919867"/>
+        <p14:creationId xmlns:p14="http://schemas.microsoft.com/office/powerpoint/2010/main" val="3400981679"/>
       </p:ext>
     </p:extLst>
   </p:cSld>
@@ -2159,7 +2159,7 @@
           <p:cNvPr id="2" name="标题 1">
             <a:extLst>
               <a:ext uri="{FF2B5EF4-FFF2-40B4-BE49-F238E27FC236}">
-                <a16:creationId xmlns:a16="http://schemas.microsoft.com/office/drawing/2014/main" id="{67F69583-CD0D-FCAD-6B60-E3707396C44D}"/>
+                <a16:creationId xmlns:a16="http://schemas.microsoft.com/office/drawing/2014/main" id="{701314F3-84F9-6065-1C1C-C00390F702C1}"/>
               </a:ext>
             </a:extLst>
           </p:cNvPr>
@@ -2196,7 +2196,7 @@
           <p:cNvPr id="3" name="内容占位符 2">
             <a:extLst>
               <a:ext uri="{FF2B5EF4-FFF2-40B4-BE49-F238E27FC236}">
-                <a16:creationId xmlns:a16="http://schemas.microsoft.com/office/drawing/2014/main" id="{9EB42E16-B3B0-D982-BA38-B766DC2B9EC1}"/>
+                <a16:creationId xmlns:a16="http://schemas.microsoft.com/office/drawing/2014/main" id="{0C271593-6D1C-4267-EA20-F9A7D66FC691}"/>
               </a:ext>
             </a:extLst>
           </p:cNvPr>
@@ -2286,7 +2286,7 @@
           <p:cNvPr id="4" name="文本占位符 3">
             <a:extLst>
               <a:ext uri="{FF2B5EF4-FFF2-40B4-BE49-F238E27FC236}">
-                <a16:creationId xmlns:a16="http://schemas.microsoft.com/office/drawing/2014/main" id="{A1F20474-AE96-C397-C39C-522A6EC21397}"/>
+                <a16:creationId xmlns:a16="http://schemas.microsoft.com/office/drawing/2014/main" id="{2479FE61-248F-06D3-27EA-14961AE7D11F}"/>
               </a:ext>
             </a:extLst>
           </p:cNvPr>
@@ -2357,7 +2357,7 @@
           <p:cNvPr id="5" name="日期占位符 4">
             <a:extLst>
               <a:ext uri="{FF2B5EF4-FFF2-40B4-BE49-F238E27FC236}">
-                <a16:creationId xmlns:a16="http://schemas.microsoft.com/office/drawing/2014/main" id="{5E8E659C-8D07-73D0-7165-8B9AE87E1705}"/>
+                <a16:creationId xmlns:a16="http://schemas.microsoft.com/office/drawing/2014/main" id="{0627D52A-5E2B-C871-E33A-6C41B9F86EB1}"/>
               </a:ext>
             </a:extLst>
           </p:cNvPr>
@@ -2373,7 +2373,7 @@
           <a:bodyPr/>
           <a:lstStyle/>
           <a:p>
-            <a:fld id="{BBB258BB-A520-48BE-B0D8-B4D6EE918A8C}" type="datetimeFigureOut">
+            <a:fld id="{5F1A1260-B7BA-4B8A-927C-1AAF6D185141}" type="datetimeFigureOut">
               <a:rPr lang="zh-CN" altLang="en-US" smtClean="0"/>
               <a:t>2024/3/10</a:t>
             </a:fld>
@@ -2386,7 +2386,7 @@
           <p:cNvPr id="6" name="页脚占位符 5">
             <a:extLst>
               <a:ext uri="{FF2B5EF4-FFF2-40B4-BE49-F238E27FC236}">
-                <a16:creationId xmlns:a16="http://schemas.microsoft.com/office/drawing/2014/main" id="{9934C90B-59C1-6574-EB12-8DCF58F0546B}"/>
+                <a16:creationId xmlns:a16="http://schemas.microsoft.com/office/drawing/2014/main" id="{420B140D-210E-7A95-B1E8-B224420069F6}"/>
               </a:ext>
             </a:extLst>
           </p:cNvPr>
@@ -2411,7 +2411,7 @@
           <p:cNvPr id="7" name="灯片编号占位符 6">
             <a:extLst>
               <a:ext uri="{FF2B5EF4-FFF2-40B4-BE49-F238E27FC236}">
-                <a16:creationId xmlns:a16="http://schemas.microsoft.com/office/drawing/2014/main" id="{A4F7AC59-6FD8-EE53-25EB-BB8DE4392CA4}"/>
+                <a16:creationId xmlns:a16="http://schemas.microsoft.com/office/drawing/2014/main" id="{83FCD5B1-3898-612E-D57D-758AD2E0F727}"/>
               </a:ext>
             </a:extLst>
           </p:cNvPr>
@@ -2427,7 +2427,7 @@
           <a:bodyPr/>
           <a:lstStyle/>
           <a:p>
-            <a:fld id="{3011B0BC-C1E3-432C-846C-E4274C0E001F}" type="slidenum">
+            <a:fld id="{3E584464-C0F1-4074-B2F1-9943409FD09C}" type="slidenum">
               <a:rPr lang="zh-CN" altLang="en-US" smtClean="0"/>
               <a:t>‹#›</a:t>
             </a:fld>
@@ -2438,7 +2438,7 @@
     </p:spTree>
     <p:extLst>
       <p:ext uri="{BB962C8B-B14F-4D97-AF65-F5344CB8AC3E}">
-        <p14:creationId xmlns:p14="http://schemas.microsoft.com/office/powerpoint/2010/main" val="1321625174"/>
+        <p14:creationId xmlns:p14="http://schemas.microsoft.com/office/powerpoint/2010/main" val="3566574204"/>
       </p:ext>
     </p:extLst>
   </p:cSld>
@@ -2470,7 +2470,7 @@
           <p:cNvPr id="2" name="标题 1">
             <a:extLst>
               <a:ext uri="{FF2B5EF4-FFF2-40B4-BE49-F238E27FC236}">
-                <a16:creationId xmlns:a16="http://schemas.microsoft.com/office/drawing/2014/main" id="{DB1BE109-5F38-3D25-9CB6-5A056FA05B0D}"/>
+                <a16:creationId xmlns:a16="http://schemas.microsoft.com/office/drawing/2014/main" id="{88D8F5DB-12EA-85B4-DC8C-97164E69B7B0}"/>
               </a:ext>
             </a:extLst>
           </p:cNvPr>
@@ -2507,7 +2507,7 @@
           <p:cNvPr id="3" name="图片占位符 2">
             <a:extLst>
               <a:ext uri="{FF2B5EF4-FFF2-40B4-BE49-F238E27FC236}">
-                <a16:creationId xmlns:a16="http://schemas.microsoft.com/office/drawing/2014/main" id="{FD0FFBF7-A1E9-168F-D312-4EFEFFE6D884}"/>
+                <a16:creationId xmlns:a16="http://schemas.microsoft.com/office/drawing/2014/main" id="{A7107136-0D4C-2F3C-3886-DDC8A5865F6B}"/>
               </a:ext>
             </a:extLst>
           </p:cNvPr>
@@ -2574,7 +2574,7 @@
           <p:cNvPr id="4" name="文本占位符 3">
             <a:extLst>
               <a:ext uri="{FF2B5EF4-FFF2-40B4-BE49-F238E27FC236}">
-                <a16:creationId xmlns:a16="http://schemas.microsoft.com/office/drawing/2014/main" id="{273CBDD5-9DF8-9CFC-E6FD-F9EE1D6A3D02}"/>
+                <a16:creationId xmlns:a16="http://schemas.microsoft.com/office/drawing/2014/main" id="{DEB11088-DE93-CBFB-3505-BAFA8F5A3F3F}"/>
               </a:ext>
             </a:extLst>
           </p:cNvPr>
@@ -2645,7 +2645,7 @@
           <p:cNvPr id="5" name="日期占位符 4">
             <a:extLst>
               <a:ext uri="{FF2B5EF4-FFF2-40B4-BE49-F238E27FC236}">
-                <a16:creationId xmlns:a16="http://schemas.microsoft.com/office/drawing/2014/main" id="{96FD2138-F6E2-08E5-5FD6-0588931A096E}"/>
+                <a16:creationId xmlns:a16="http://schemas.microsoft.com/office/drawing/2014/main" id="{BF1B54C3-2F55-6B4F-376E-575F7F497C47}"/>
               </a:ext>
             </a:extLst>
           </p:cNvPr>
@@ -2661,7 +2661,7 @@
           <a:bodyPr/>
           <a:lstStyle/>
           <a:p>
-            <a:fld id="{BBB258BB-A520-48BE-B0D8-B4D6EE918A8C}" type="datetimeFigureOut">
+            <a:fld id="{5F1A1260-B7BA-4B8A-927C-1AAF6D185141}" type="datetimeFigureOut">
               <a:rPr lang="zh-CN" altLang="en-US" smtClean="0"/>
               <a:t>2024/3/10</a:t>
             </a:fld>
@@ -2674,7 +2674,7 @@
           <p:cNvPr id="6" name="页脚占位符 5">
             <a:extLst>
               <a:ext uri="{FF2B5EF4-FFF2-40B4-BE49-F238E27FC236}">
-                <a16:creationId xmlns:a16="http://schemas.microsoft.com/office/drawing/2014/main" id="{46940DE5-B986-66C4-4B77-3EC7073CD727}"/>
+                <a16:creationId xmlns:a16="http://schemas.microsoft.com/office/drawing/2014/main" id="{5F061CF0-70E7-1526-E90D-5E55C0B879E1}"/>
               </a:ext>
             </a:extLst>
           </p:cNvPr>
@@ -2699,7 +2699,7 @@
           <p:cNvPr id="7" name="灯片编号占位符 6">
             <a:extLst>
               <a:ext uri="{FF2B5EF4-FFF2-40B4-BE49-F238E27FC236}">
-                <a16:creationId xmlns:a16="http://schemas.microsoft.com/office/drawing/2014/main" id="{FE0E6BDF-F429-C2B7-E9B1-3CC84A787B1F}"/>
+                <a16:creationId xmlns:a16="http://schemas.microsoft.com/office/drawing/2014/main" id="{0A1B8E67-459D-3D9C-ED3B-C38BB72D958F}"/>
               </a:ext>
             </a:extLst>
           </p:cNvPr>
@@ -2715,7 +2715,7 @@
           <a:bodyPr/>
           <a:lstStyle/>
           <a:p>
-            <a:fld id="{3011B0BC-C1E3-432C-846C-E4274C0E001F}" type="slidenum">
+            <a:fld id="{3E584464-C0F1-4074-B2F1-9943409FD09C}" type="slidenum">
               <a:rPr lang="zh-CN" altLang="en-US" smtClean="0"/>
               <a:t>‹#›</a:t>
             </a:fld>
@@ -2726,7 +2726,7 @@
     </p:spTree>
     <p:extLst>
       <p:ext uri="{BB962C8B-B14F-4D97-AF65-F5344CB8AC3E}">
-        <p14:creationId xmlns:p14="http://schemas.microsoft.com/office/powerpoint/2010/main" val="3448971799"/>
+        <p14:creationId xmlns:p14="http://schemas.microsoft.com/office/powerpoint/2010/main" val="2082412388"/>
       </p:ext>
     </p:extLst>
   </p:cSld>
@@ -2763,7 +2763,7 @@
           <p:cNvPr id="2" name="标题占位符 1">
             <a:extLst>
               <a:ext uri="{FF2B5EF4-FFF2-40B4-BE49-F238E27FC236}">
-                <a16:creationId xmlns:a16="http://schemas.microsoft.com/office/drawing/2014/main" id="{BE029AEC-50B3-5B11-8FE6-8E9EEC03204C}"/>
+                <a16:creationId xmlns:a16="http://schemas.microsoft.com/office/drawing/2014/main" id="{A5C6B657-4B89-E5A6-FC8B-4892CD593CB6}"/>
               </a:ext>
             </a:extLst>
           </p:cNvPr>
@@ -2801,7 +2801,7 @@
           <p:cNvPr id="3" name="文本占位符 2">
             <a:extLst>
               <a:ext uri="{FF2B5EF4-FFF2-40B4-BE49-F238E27FC236}">
-                <a16:creationId xmlns:a16="http://schemas.microsoft.com/office/drawing/2014/main" id="{788B5730-47D2-745D-5166-54FC79EAD45A}"/>
+                <a16:creationId xmlns:a16="http://schemas.microsoft.com/office/drawing/2014/main" id="{395F1743-4311-41D0-26AB-0C33142D94A4}"/>
               </a:ext>
             </a:extLst>
           </p:cNvPr>
@@ -2868,7 +2868,7 @@
           <p:cNvPr id="4" name="日期占位符 3">
             <a:extLst>
               <a:ext uri="{FF2B5EF4-FFF2-40B4-BE49-F238E27FC236}">
-                <a16:creationId xmlns:a16="http://schemas.microsoft.com/office/drawing/2014/main" id="{EEF41A64-836E-E4FD-73CA-08D0A38A8C21}"/>
+                <a16:creationId xmlns:a16="http://schemas.microsoft.com/office/drawing/2014/main" id="{F099A8DD-C54F-F4F7-A5F5-0B5719725BFC}"/>
               </a:ext>
             </a:extLst>
           </p:cNvPr>
@@ -2902,7 +2902,7 @@
             </a:lvl1pPr>
           </a:lstStyle>
           <a:p>
-            <a:fld id="{BBB258BB-A520-48BE-B0D8-B4D6EE918A8C}" type="datetimeFigureOut">
+            <a:fld id="{5F1A1260-B7BA-4B8A-927C-1AAF6D185141}" type="datetimeFigureOut">
               <a:rPr lang="zh-CN" altLang="en-US" smtClean="0"/>
               <a:t>2024/3/10</a:t>
             </a:fld>
@@ -2915,7 +2915,7 @@
           <p:cNvPr id="5" name="页脚占位符 4">
             <a:extLst>
               <a:ext uri="{FF2B5EF4-FFF2-40B4-BE49-F238E27FC236}">
-                <a16:creationId xmlns:a16="http://schemas.microsoft.com/office/drawing/2014/main" id="{78613E89-E850-2324-AB51-0DCDA5D1492F}"/>
+                <a16:creationId xmlns:a16="http://schemas.microsoft.com/office/drawing/2014/main" id="{8F1D2B49-9696-DC53-F110-AF3D96E82C02}"/>
               </a:ext>
             </a:extLst>
           </p:cNvPr>
@@ -2958,7 +2958,7 @@
           <p:cNvPr id="6" name="灯片编号占位符 5">
             <a:extLst>
               <a:ext uri="{FF2B5EF4-FFF2-40B4-BE49-F238E27FC236}">
-                <a16:creationId xmlns:a16="http://schemas.microsoft.com/office/drawing/2014/main" id="{2D0B2430-E4F5-4C3C-8F0B-AA9257E5327A}"/>
+                <a16:creationId xmlns:a16="http://schemas.microsoft.com/office/drawing/2014/main" id="{E74D62B7-7F22-FBA4-5481-7224880D2B19}"/>
               </a:ext>
             </a:extLst>
           </p:cNvPr>
@@ -2992,7 +2992,7 @@
             </a:lvl1pPr>
           </a:lstStyle>
           <a:p>
-            <a:fld id="{3011B0BC-C1E3-432C-846C-E4274C0E001F}" type="slidenum">
+            <a:fld id="{3E584464-C0F1-4074-B2F1-9943409FD09C}" type="slidenum">
               <a:rPr lang="zh-CN" altLang="en-US" smtClean="0"/>
               <a:t>‹#›</a:t>
             </a:fld>
@@ -3003,7 +3003,7 @@
     </p:spTree>
     <p:extLst>
       <p:ext uri="{BB962C8B-B14F-4D97-AF65-F5344CB8AC3E}">
-        <p14:creationId xmlns:p14="http://schemas.microsoft.com/office/powerpoint/2010/main" val="2394078819"/>
+        <p14:creationId xmlns:p14="http://schemas.microsoft.com/office/powerpoint/2010/main" val="1219096472"/>
       </p:ext>
     </p:extLst>
   </p:cSld>
